--- a/database/12강 데이터베이스 정규화.pptx
+++ b/database/12강 데이터베이스 정규화.pptx
@@ -25,6 +25,7 @@
     <p:sldId id="417" r:id="rId19"/>
     <p:sldId id="422" r:id="rId20"/>
     <p:sldId id="418" r:id="rId21"/>
+    <p:sldId id="423" r:id="rId22"/>
   </p:sldIdLst>
   <p:sldSz cx="12192000" cy="6858000"/>
   <p:notesSz cx="6858000" cy="9144000"/>
@@ -151,6 +152,7 @@
             <p14:sldId id="417"/>
             <p14:sldId id="422"/>
             <p14:sldId id="418"/>
+            <p14:sldId id="423"/>
           </p14:sldIdLst>
         </p14:section>
       </p14:sectionLst>
@@ -327,7 +329,7 @@
                 </a:solidFill>
               </a:rPr>
               <a:pPr/>
-              <a:t>2022-06-16</a:t>
+              <a:t>2022-06-19</a:t>
             </a:fld>
             <a:endParaRPr lang="ko-KR" altLang="en-US">
               <a:solidFill>
@@ -557,7 +559,7 @@
                 </a:solidFill>
               </a:rPr>
               <a:pPr/>
-              <a:t>2022-06-16</a:t>
+              <a:t>2022-06-19</a:t>
             </a:fld>
             <a:endParaRPr lang="ko-KR" altLang="en-US">
               <a:solidFill>
@@ -797,7 +799,7 @@
                 </a:solidFill>
               </a:rPr>
               <a:pPr/>
-              <a:t>2022-06-16</a:t>
+              <a:t>2022-06-19</a:t>
             </a:fld>
             <a:endParaRPr lang="ko-KR" altLang="en-US">
               <a:solidFill>
@@ -1029,7 +1031,7 @@
                 <a:latin typeface="맑은 고딕" charset="0"/>
                 <a:ea typeface="맑은 고딕" charset="0"/>
               </a:rPr>
-              <a:t>2022-06-16</a:t>
+              <a:t>2022-06-19</a:t>
             </a:fld>
             <a:endParaRPr lang="ko-KR" altLang="en-US">
               <a:solidFill>
@@ -1308,7 +1310,7 @@
                 <a:latin typeface="맑은 고딕" charset="0"/>
                 <a:ea typeface="맑은 고딕" charset="0"/>
               </a:rPr>
-              <a:t>2022-06-16</a:t>
+              <a:t>2022-06-19</a:t>
             </a:fld>
             <a:endParaRPr lang="ko-KR" altLang="en-US">
               <a:solidFill>
@@ -1550,7 +1552,7 @@
                 <a:latin typeface="맑은 고딕" charset="0"/>
                 <a:ea typeface="맑은 고딕" charset="0"/>
               </a:rPr>
-              <a:t>2022-06-16</a:t>
+              <a:t>2022-06-19</a:t>
             </a:fld>
             <a:endParaRPr lang="ko-KR" altLang="en-US">
               <a:solidFill>
@@ -1905,7 +1907,7 @@
                 <a:latin typeface="맑은 고딕" charset="0"/>
                 <a:ea typeface="맑은 고딕" charset="0"/>
               </a:rPr>
-              <a:t>2022-06-16</a:t>
+              <a:t>2022-06-19</a:t>
             </a:fld>
             <a:endParaRPr lang="ko-KR" altLang="en-US">
               <a:solidFill>
@@ -2338,7 +2340,7 @@
                 <a:latin typeface="맑은 고딕" charset="0"/>
                 <a:ea typeface="맑은 고딕" charset="0"/>
               </a:rPr>
-              <a:t>2022-06-16</a:t>
+              <a:t>2022-06-19</a:t>
             </a:fld>
             <a:endParaRPr lang="ko-KR" altLang="en-US">
               <a:solidFill>
@@ -2541,7 +2543,7 @@
                 <a:latin typeface="맑은 고딕" charset="0"/>
                 <a:ea typeface="맑은 고딕" charset="0"/>
               </a:rPr>
-              <a:t>2022-06-16</a:t>
+              <a:t>2022-06-19</a:t>
             </a:fld>
             <a:endParaRPr lang="ko-KR" altLang="en-US">
               <a:solidFill>
@@ -2705,7 +2707,7 @@
                 <a:latin typeface="맑은 고딕" charset="0"/>
                 <a:ea typeface="맑은 고딕" charset="0"/>
               </a:rPr>
-              <a:t>2022-06-16</a:t>
+              <a:t>2022-06-19</a:t>
             </a:fld>
             <a:endParaRPr lang="ko-KR" altLang="en-US">
               <a:solidFill>
@@ -3023,7 +3025,7 @@
                 <a:latin typeface="맑은 고딕" charset="0"/>
                 <a:ea typeface="맑은 고딕" charset="0"/>
               </a:rPr>
-              <a:t>2022-06-16</a:t>
+              <a:t>2022-06-19</a:t>
             </a:fld>
             <a:endParaRPr lang="ko-KR" altLang="en-US">
               <a:solidFill>
@@ -3263,7 +3265,7 @@
                 </a:solidFill>
               </a:rPr>
               <a:pPr/>
-              <a:t>2022-06-16</a:t>
+              <a:t>2022-06-19</a:t>
             </a:fld>
             <a:endParaRPr lang="ko-KR" altLang="en-US">
               <a:solidFill>
@@ -3515,7 +3517,7 @@
                 <a:latin typeface="맑은 고딕" charset="0"/>
                 <a:ea typeface="맑은 고딕" charset="0"/>
               </a:rPr>
-              <a:t>2022-06-16</a:t>
+              <a:t>2022-06-19</a:t>
             </a:fld>
             <a:endParaRPr lang="ko-KR" altLang="en-US">
               <a:solidFill>
@@ -3794,7 +3796,7 @@
                 <a:latin typeface="맑은 고딕" charset="0"/>
                 <a:ea typeface="맑은 고딕" charset="0"/>
               </a:rPr>
-              <a:t>2022-06-16</a:t>
+              <a:t>2022-06-19</a:t>
             </a:fld>
             <a:endParaRPr lang="ko-KR" altLang="en-US">
               <a:solidFill>
@@ -4073,7 +4075,7 @@
                 <a:latin typeface="맑은 고딕" charset="0"/>
                 <a:ea typeface="맑은 고딕" charset="0"/>
               </a:rPr>
-              <a:t>2022-06-16</a:t>
+              <a:t>2022-06-19</a:t>
             </a:fld>
             <a:endParaRPr lang="ko-KR" altLang="en-US">
               <a:solidFill>
@@ -4390,7 +4392,7 @@
                 </a:solidFill>
               </a:rPr>
               <a:pPr/>
-              <a:t>2022-06-16</a:t>
+              <a:t>2022-06-19</a:t>
             </a:fld>
             <a:endParaRPr lang="ko-KR" altLang="en-US">
               <a:solidFill>
@@ -4687,7 +4689,7 @@
                 </a:solidFill>
               </a:rPr>
               <a:pPr/>
-              <a:t>2022-06-16</a:t>
+              <a:t>2022-06-19</a:t>
             </a:fld>
             <a:endParaRPr lang="ko-KR" altLang="en-US">
               <a:solidFill>
@@ -5131,7 +5133,7 @@
                 </a:solidFill>
               </a:rPr>
               <a:pPr/>
-              <a:t>2022-06-16</a:t>
+              <a:t>2022-06-19</a:t>
             </a:fld>
             <a:endParaRPr lang="ko-KR" altLang="en-US">
               <a:solidFill>
@@ -5304,7 +5306,7 @@
                 </a:solidFill>
               </a:rPr>
               <a:pPr/>
-              <a:t>2022-06-16</a:t>
+              <a:t>2022-06-19</a:t>
             </a:fld>
             <a:endParaRPr lang="ko-KR" altLang="en-US">
               <a:solidFill>
@@ -5449,7 +5451,7 @@
                 </a:solidFill>
               </a:rPr>
               <a:pPr/>
-              <a:t>2022-06-16</a:t>
+              <a:t>2022-06-19</a:t>
             </a:fld>
             <a:endParaRPr lang="ko-KR" altLang="en-US">
               <a:solidFill>
@@ -6818,7 +6820,7 @@
                 </a:solidFill>
               </a:rPr>
               <a:pPr/>
-              <a:t>2022-06-16</a:t>
+              <a:t>2022-06-19</a:t>
             </a:fld>
             <a:endParaRPr lang="ko-KR" altLang="en-US">
               <a:solidFill>
@@ -7138,7 +7140,7 @@
                 </a:solidFill>
               </a:rPr>
               <a:pPr/>
-              <a:t>2022-06-16</a:t>
+              <a:t>2022-06-19</a:t>
             </a:fld>
             <a:endParaRPr lang="ko-KR" altLang="en-US">
               <a:solidFill>
@@ -7411,7 +7413,7 @@
                 </a:solidFill>
               </a:rPr>
               <a:pPr/>
-              <a:t>2022-06-16</a:t>
+              <a:t>2022-06-19</a:t>
             </a:fld>
             <a:endParaRPr lang="ko-KR" altLang="en-US">
               <a:solidFill>
@@ -8012,7 +8014,7 @@
                 <a:latin typeface="맑은 고딕" charset="0"/>
                 <a:ea typeface="맑은 고딕" charset="0"/>
               </a:rPr>
-              <a:t>2022-06-16</a:t>
+              <a:t>2022-06-19</a:t>
             </a:fld>
             <a:endParaRPr lang="ko-KR" altLang="en-US">
               <a:solidFill>
@@ -10262,8 +10264,8 @@
         </p:nvSpPr>
         <p:spPr>
           <a:xfrm>
-            <a:off x="5114202" y="3157957"/>
-            <a:ext cx="1403074" cy="324196"/>
+            <a:off x="5114201" y="3157957"/>
+            <a:ext cx="1562171" cy="324196"/>
           </a:xfrm>
           <a:prstGeom prst="rect">
             <a:avLst/>
@@ -10299,12 +10301,12 @@
           <a:p>
             <a:pPr algn="ctr"/>
             <a:r>
-              <a:rPr lang="ko-KR" altLang="en-US" dirty="0" err="1" smtClean="0">
+              <a:rPr lang="ko-KR" altLang="en-US" dirty="0" smtClean="0">
                 <a:solidFill>
                   <a:schemeClr val="tx1"/>
                 </a:solidFill>
               </a:rPr>
-              <a:t>고객아이디</a:t>
+              <a:t>고객관리번호</a:t>
             </a:r>
             <a:endParaRPr lang="ko-KR" altLang="en-US" dirty="0">
               <a:solidFill>
@@ -10322,8 +10324,8 @@
         </p:nvSpPr>
         <p:spPr>
           <a:xfrm>
-            <a:off x="5114202" y="3741231"/>
-            <a:ext cx="1403074" cy="324196"/>
+            <a:off x="5114201" y="3741231"/>
+            <a:ext cx="1562171" cy="324196"/>
           </a:xfrm>
           <a:prstGeom prst="rect">
             <a:avLst/>
@@ -10487,7 +10489,7 @@
         <p:spPr>
           <a:xfrm flipH="1" flipV="1">
             <a:off x="4322619" y="2994136"/>
-            <a:ext cx="791583" cy="325919"/>
+            <a:ext cx="791582" cy="325919"/>
           </a:xfrm>
           <a:prstGeom prst="straightConnector1">
             <a:avLst/>
@@ -10526,7 +10528,7 @@
         <p:spPr>
           <a:xfrm flipH="1">
             <a:off x="4322619" y="3320055"/>
-            <a:ext cx="791583" cy="274675"/>
+            <a:ext cx="791582" cy="274675"/>
           </a:xfrm>
           <a:prstGeom prst="straightConnector1">
             <a:avLst/>
@@ -10565,7 +10567,7 @@
         <p:spPr>
           <a:xfrm flipH="1">
             <a:off x="4322619" y="3320055"/>
-            <a:ext cx="791583" cy="875269"/>
+            <a:ext cx="791582" cy="875269"/>
           </a:xfrm>
           <a:prstGeom prst="straightConnector1">
             <a:avLst/>
@@ -11505,8 +11507,8 @@
         </p:nvSpPr>
         <p:spPr>
           <a:xfrm>
-            <a:off x="5114202" y="1654234"/>
-            <a:ext cx="1403074" cy="324196"/>
+            <a:off x="5114201" y="1654234"/>
+            <a:ext cx="1570511" cy="324196"/>
           </a:xfrm>
           <a:prstGeom prst="rect">
             <a:avLst/>
@@ -11542,12 +11544,12 @@
           <a:p>
             <a:pPr algn="ctr"/>
             <a:r>
-              <a:rPr lang="ko-KR" altLang="en-US" dirty="0" err="1" smtClean="0">
+              <a:rPr lang="ko-KR" altLang="en-US" dirty="0" smtClean="0">
                 <a:solidFill>
                   <a:schemeClr val="tx1"/>
                 </a:solidFill>
               </a:rPr>
-              <a:t>고객아이디</a:t>
+              <a:t>고객관리번호</a:t>
             </a:r>
             <a:endParaRPr lang="ko-KR" altLang="en-US" dirty="0">
               <a:solidFill>
@@ -11565,8 +11567,8 @@
         </p:nvSpPr>
         <p:spPr>
           <a:xfrm>
-            <a:off x="5114202" y="2237508"/>
-            <a:ext cx="1403074" cy="324196"/>
+            <a:off x="5114201" y="2237508"/>
+            <a:ext cx="1570511" cy="324196"/>
           </a:xfrm>
           <a:prstGeom prst="rect">
             <a:avLst/>
@@ -11602,7 +11604,7 @@
           <a:p>
             <a:pPr algn="ctr"/>
             <a:r>
-              <a:rPr lang="ko-KR" altLang="en-US" smtClean="0">
+              <a:rPr lang="ko-KR" altLang="en-US" dirty="0" err="1" smtClean="0">
                 <a:solidFill>
                   <a:schemeClr val="tx1"/>
                 </a:solidFill>
@@ -11730,7 +11732,7 @@
         <p:spPr>
           <a:xfrm flipH="1" flipV="1">
             <a:off x="4322619" y="1490413"/>
-            <a:ext cx="791583" cy="325919"/>
+            <a:ext cx="791582" cy="325919"/>
           </a:xfrm>
           <a:prstGeom prst="straightConnector1">
             <a:avLst/>
@@ -11769,7 +11771,7 @@
         <p:spPr>
           <a:xfrm flipH="1">
             <a:off x="4322619" y="1816332"/>
-            <a:ext cx="791583" cy="274675"/>
+            <a:ext cx="791582" cy="274675"/>
           </a:xfrm>
           <a:prstGeom prst="straightConnector1">
             <a:avLst/>
@@ -11808,7 +11810,7 @@
         <p:spPr>
           <a:xfrm flipH="1">
             <a:off x="4322619" y="1816332"/>
-            <a:ext cx="791583" cy="875269"/>
+            <a:ext cx="791582" cy="875269"/>
           </a:xfrm>
           <a:prstGeom prst="straightConnector1">
             <a:avLst/>
@@ -12101,8 +12103,8 @@
         </p:nvSpPr>
         <p:spPr>
           <a:xfrm>
-            <a:off x="3022165" y="4741026"/>
-            <a:ext cx="1403074" cy="324196"/>
+            <a:off x="3022164" y="4741026"/>
+            <a:ext cx="1712673" cy="324196"/>
           </a:xfrm>
           <a:prstGeom prst="rect">
             <a:avLst/>
@@ -12138,12 +12140,12 @@
           <a:p>
             <a:pPr algn="ctr"/>
             <a:r>
-              <a:rPr lang="ko-KR" altLang="en-US" dirty="0" err="1" smtClean="0">
+              <a:rPr lang="ko-KR" altLang="en-US" dirty="0" smtClean="0">
                 <a:solidFill>
                   <a:schemeClr val="tx1"/>
                 </a:solidFill>
               </a:rPr>
-              <a:t>고객아이디</a:t>
+              <a:t>고객관리번호</a:t>
             </a:r>
             <a:endParaRPr lang="ko-KR" altLang="en-US" dirty="0">
               <a:solidFill>
@@ -12165,7 +12167,7 @@
         <p:spPr>
           <a:xfrm flipH="1" flipV="1">
             <a:off x="2230582" y="4577205"/>
-            <a:ext cx="791583" cy="325919"/>
+            <a:ext cx="791582" cy="325919"/>
           </a:xfrm>
           <a:prstGeom prst="straightConnector1">
             <a:avLst/>
@@ -12204,7 +12206,7 @@
         <p:spPr>
           <a:xfrm flipH="1">
             <a:off x="2230582" y="4903124"/>
-            <a:ext cx="791583" cy="274675"/>
+            <a:ext cx="791582" cy="274675"/>
           </a:xfrm>
           <a:prstGeom prst="straightConnector1">
             <a:avLst/>
@@ -12243,7 +12245,7 @@
         <p:spPr>
           <a:xfrm flipH="1">
             <a:off x="2230582" y="4903124"/>
-            <a:ext cx="791583" cy="875269"/>
+            <a:ext cx="791582" cy="875269"/>
           </a:xfrm>
           <a:prstGeom prst="straightConnector1">
             <a:avLst/>
@@ -12278,8 +12280,8 @@
         </p:nvSpPr>
         <p:spPr>
           <a:xfrm>
-            <a:off x="6937314" y="4600589"/>
-            <a:ext cx="1403074" cy="324196"/>
+            <a:off x="6812054" y="4600589"/>
+            <a:ext cx="1750766" cy="324196"/>
           </a:xfrm>
           <a:prstGeom prst="rect">
             <a:avLst/>
@@ -12315,12 +12317,12 @@
           <a:p>
             <a:pPr algn="ctr"/>
             <a:r>
-              <a:rPr lang="ko-KR" altLang="en-US" dirty="0" err="1" smtClean="0">
+              <a:rPr lang="ko-KR" altLang="en-US" dirty="0" smtClean="0">
                 <a:solidFill>
                   <a:schemeClr val="tx1"/>
                 </a:solidFill>
               </a:rPr>
-              <a:t>고객아이디</a:t>
+              <a:t>고객관리번호</a:t>
             </a:r>
             <a:endParaRPr lang="ko-KR" altLang="en-US" dirty="0">
               <a:solidFill>
@@ -12338,8 +12340,8 @@
         </p:nvSpPr>
         <p:spPr>
           <a:xfrm>
-            <a:off x="6937314" y="5183863"/>
-            <a:ext cx="1403074" cy="324196"/>
+            <a:off x="6812054" y="5183863"/>
+            <a:ext cx="1750766" cy="324196"/>
           </a:xfrm>
           <a:prstGeom prst="rect">
             <a:avLst/>
@@ -12375,7 +12377,7 @@
           <a:p>
             <a:pPr algn="ctr"/>
             <a:r>
-              <a:rPr lang="ko-KR" altLang="en-US" smtClean="0">
+              <a:rPr lang="ko-KR" altLang="en-US" dirty="0" err="1" smtClean="0">
                 <a:solidFill>
                   <a:schemeClr val="tx1"/>
                 </a:solidFill>
@@ -13534,8 +13536,8 @@
         </p:nvSpPr>
         <p:spPr>
           <a:xfrm>
-            <a:off x="5770359" y="1945854"/>
-            <a:ext cx="1403074" cy="324196"/>
+            <a:off x="5770358" y="1945854"/>
+            <a:ext cx="1645049" cy="324196"/>
           </a:xfrm>
           <a:prstGeom prst="rect">
             <a:avLst/>
@@ -13571,12 +13573,12 @@
           <a:p>
             <a:pPr algn="ctr"/>
             <a:r>
-              <a:rPr lang="ko-KR" altLang="en-US" dirty="0" err="1" smtClean="0">
+              <a:rPr lang="ko-KR" altLang="en-US" dirty="0" smtClean="0">
                 <a:solidFill>
                   <a:schemeClr val="tx1"/>
                 </a:solidFill>
               </a:rPr>
-              <a:t>고객아이디</a:t>
+              <a:t>고객관리번호</a:t>
             </a:r>
             <a:endParaRPr lang="ko-KR" altLang="en-US" dirty="0">
               <a:solidFill>
@@ -13598,7 +13600,7 @@
         <p:spPr>
           <a:xfrm flipH="1" flipV="1">
             <a:off x="4978776" y="1782033"/>
-            <a:ext cx="791583" cy="325919"/>
+            <a:ext cx="791582" cy="325919"/>
           </a:xfrm>
           <a:prstGeom prst="straightConnector1">
             <a:avLst/>
@@ -13637,7 +13639,7 @@
         <p:spPr>
           <a:xfrm flipH="1">
             <a:off x="4978776" y="2107952"/>
-            <a:ext cx="791583" cy="274675"/>
+            <a:ext cx="791582" cy="274675"/>
           </a:xfrm>
           <a:prstGeom prst="straightConnector1">
             <a:avLst/>
@@ -13676,7 +13678,7 @@
         <p:spPr>
           <a:xfrm flipH="1">
             <a:off x="4978776" y="2107952"/>
-            <a:ext cx="791583" cy="875269"/>
+            <a:ext cx="791582" cy="875269"/>
           </a:xfrm>
           <a:prstGeom prst="straightConnector1">
             <a:avLst/>
@@ -13870,8 +13872,8 @@
         </p:nvSpPr>
         <p:spPr>
           <a:xfrm>
-            <a:off x="3185552" y="4931223"/>
-            <a:ext cx="1403074" cy="324196"/>
+            <a:off x="3185551" y="4931223"/>
+            <a:ext cx="1645049" cy="324196"/>
           </a:xfrm>
           <a:prstGeom prst="rect">
             <a:avLst/>
@@ -13907,12 +13909,12 @@
           <a:p>
             <a:pPr algn="ctr"/>
             <a:r>
-              <a:rPr lang="ko-KR" altLang="en-US" dirty="0" err="1" smtClean="0">
+              <a:rPr lang="ko-KR" altLang="en-US" dirty="0" smtClean="0">
                 <a:solidFill>
                   <a:schemeClr val="tx1"/>
                 </a:solidFill>
               </a:rPr>
-              <a:t>고객아이디</a:t>
+              <a:t>고객관리번호</a:t>
             </a:r>
             <a:endParaRPr lang="ko-KR" altLang="en-US" dirty="0">
               <a:solidFill>
@@ -13934,7 +13936,7 @@
         <p:spPr>
           <a:xfrm flipH="1" flipV="1">
             <a:off x="2526973" y="4850174"/>
-            <a:ext cx="658579" cy="243147"/>
+            <a:ext cx="658578" cy="243147"/>
           </a:xfrm>
           <a:prstGeom prst="straightConnector1">
             <a:avLst/>
@@ -13973,7 +13975,7 @@
         <p:spPr>
           <a:xfrm flipH="1">
             <a:off x="2526973" y="5093321"/>
-            <a:ext cx="658579" cy="324196"/>
+            <a:ext cx="658578" cy="324196"/>
           </a:xfrm>
           <a:prstGeom prst="straightConnector1">
             <a:avLst/>
@@ -14903,15 +14905,7 @@
                   <a:schemeClr val="tx1"/>
                 </a:solidFill>
               </a:rPr>
-              <a:t>강사</a:t>
-            </a:r>
-            <a:r>
-              <a:rPr lang="ko-KR" altLang="en-US" dirty="0" err="1" smtClean="0">
-                <a:solidFill>
-                  <a:schemeClr val="tx1"/>
-                </a:solidFill>
-              </a:rPr>
-              <a:t>아이디</a:t>
+              <a:t>강사아이디</a:t>
             </a:r>
             <a:endParaRPr lang="ko-KR" altLang="en-US" dirty="0">
               <a:solidFill>
@@ -15885,6 +15879,59 @@
           <a:p>
             <a:pPr marL="0" indent="0">
               <a:lnSpc>
+                <a:spcPct val="100000"/>
+              </a:lnSpc>
+              <a:buNone/>
+            </a:pPr>
+            <a:r>
+              <a:rPr lang="en-US" altLang="ko-KR" sz="2000" dirty="0"/>
+              <a:t> </a:t>
+            </a:r>
+            <a:r>
+              <a:rPr lang="en-US" altLang="ko-KR" sz="2000" dirty="0" smtClean="0"/>
+              <a:t>   - </a:t>
+            </a:r>
+            <a:r>
+              <a:rPr lang="ko-KR" altLang="en-US" sz="2000" dirty="0" err="1" smtClean="0"/>
+              <a:t>다치종속</a:t>
+            </a:r>
+            <a:r>
+              <a:rPr lang="en-US" altLang="ko-KR" sz="2000" dirty="0" smtClean="0"/>
+              <a:t>: </a:t>
+            </a:r>
+            <a:r>
+              <a:rPr lang="ko-KR" altLang="en-US" sz="2000" dirty="0" smtClean="0"/>
+              <a:t>두 개의 독립된 </a:t>
+            </a:r>
+            <a:r>
+              <a:rPr lang="ko-KR" altLang="en-US" sz="2000" dirty="0" err="1" smtClean="0"/>
+              <a:t>애트리뷰트가</a:t>
+            </a:r>
+            <a:r>
+              <a:rPr lang="ko-KR" altLang="en-US" sz="2000" dirty="0" smtClean="0"/>
+              <a:t> </a:t>
+            </a:r>
+            <a:r>
+              <a:rPr lang="en-US" altLang="ko-KR" sz="2000" dirty="0" smtClean="0"/>
+              <a:t>1:N </a:t>
+            </a:r>
+            <a:r>
+              <a:rPr lang="ko-KR" altLang="en-US" sz="2000" dirty="0" smtClean="0"/>
+              <a:t>관계로 대응</a:t>
+            </a:r>
+            <a:r>
+              <a:rPr lang="en-US" altLang="ko-KR" sz="2000" dirty="0"/>
+              <a:t> </a:t>
+            </a:r>
+            <a:r>
+              <a:rPr lang="ko-KR" altLang="en-US" sz="2000" dirty="0" smtClean="0"/>
+              <a:t>하는 관계</a:t>
+            </a:r>
+            <a:endParaRPr lang="en-US" altLang="ko-KR" sz="2000" dirty="0" smtClean="0"/>
+          </a:p>
+          <a:p>
+            <a:pPr marL="0" indent="0">
+              <a:lnSpc>
                 <a:spcPct val="150000"/>
               </a:lnSpc>
               <a:buNone/>
@@ -16282,6 +16329,437 @@
       </p:par>
     </p:tnLst>
   </p:timing>
+</p:sld>
+</file>
+
+<file path=ppt/slides/slide20.xml><?xml version="1.0" encoding="utf-8"?>
+<p:sld xmlns:a="http://schemas.openxmlformats.org/drawingml/2006/main" xmlns:r="http://schemas.openxmlformats.org/officeDocument/2006/relationships" xmlns:p="http://schemas.openxmlformats.org/presentationml/2006/main">
+  <p:cSld>
+    <p:spTree>
+      <p:nvGrpSpPr>
+        <p:cNvPr id="1" name=""/>
+        <p:cNvGrpSpPr/>
+        <p:nvPr/>
+      </p:nvGrpSpPr>
+      <p:grpSpPr>
+        <a:xfrm>
+          <a:off x="0" y="0"/>
+          <a:ext cx="0" cy="0"/>
+          <a:chOff x="0" y="0"/>
+          <a:chExt cx="0" cy="0"/>
+        </a:xfrm>
+      </p:grpSpPr>
+      <p:sp>
+        <p:nvSpPr>
+          <p:cNvPr id="44" name="도형 17"/>
+          <p:cNvSpPr>
+            <a:spLocks/>
+          </p:cNvSpPr>
+          <p:nvPr/>
+        </p:nvSpPr>
+        <p:spPr>
+          <a:xfrm>
+            <a:off x="765868" y="328698"/>
+            <a:ext cx="877163" cy="507831"/>
+          </a:xfrm>
+          <a:prstGeom prst="rect">
+            <a:avLst/>
+          </a:prstGeom>
+          <a:ln w="0">
+            <a:noFill/>
+            <a:prstDash/>
+          </a:ln>
+        </p:spPr>
+        <p:txBody>
+          <a:bodyPr vert="horz" wrap="none" lIns="91440" tIns="45720" rIns="91440" bIns="45720" numCol="1" anchor="t">
+            <a:spAutoFit/>
+          </a:bodyPr>
+          <a:lstStyle/>
+          <a:p>
+            <a:pPr marL="0" indent="0" latinLnBrk="0">
+              <a:lnSpc>
+                <a:spcPct val="150000"/>
+              </a:lnSpc>
+              <a:buFontTx/>
+              <a:buNone/>
+            </a:pPr>
+            <a:r>
+              <a:rPr lang="ko-KR" altLang="en-US" dirty="0" smtClean="0">
+                <a:solidFill>
+                  <a:schemeClr val="bg1"/>
+                </a:solidFill>
+              </a:rPr>
+              <a:t>정규화</a:t>
+            </a:r>
+            <a:endParaRPr lang="ko-KR" altLang="en-US" dirty="0">
+              <a:solidFill>
+                <a:schemeClr val="bg1"/>
+              </a:solidFill>
+            </a:endParaRPr>
+          </a:p>
+        </p:txBody>
+      </p:sp>
+      <p:sp>
+        <p:nvSpPr>
+          <p:cNvPr id="7" name="내용 개체 틀 2"/>
+          <p:cNvSpPr txBox="1">
+            <a:spLocks/>
+          </p:cNvSpPr>
+          <p:nvPr/>
+        </p:nvSpPr>
+        <p:spPr>
+          <a:xfrm>
+            <a:off x="457200" y="1221968"/>
+            <a:ext cx="11222182" cy="4525963"/>
+          </a:xfrm>
+          <a:prstGeom prst="rect">
+            <a:avLst/>
+          </a:prstGeom>
+        </p:spPr>
+        <p:txBody>
+          <a:bodyPr/>
+          <a:lstStyle>
+            <a:lvl1pPr marL="228600" indent="-228600" algn="l" defTabSz="914400" rtl="0" eaLnBrk="1" latinLnBrk="1" hangingPunct="1">
+              <a:lnSpc>
+                <a:spcPct val="90000"/>
+              </a:lnSpc>
+              <a:spcBef>
+                <a:spcPts val="1000"/>
+              </a:spcBef>
+              <a:buFont typeface="Arial" panose="020B0604020202020204" pitchFamily="34" charset="0"/>
+              <a:buChar char="•"/>
+              <a:defRPr sz="2800" kern="1200">
+                <a:solidFill>
+                  <a:schemeClr val="tx1"/>
+                </a:solidFill>
+                <a:latin typeface="+mn-lt"/>
+                <a:ea typeface="+mn-ea"/>
+                <a:cs typeface="+mn-cs"/>
+              </a:defRPr>
+            </a:lvl1pPr>
+            <a:lvl2pPr marL="685800" indent="-228600" algn="l" defTabSz="914400" rtl="0" eaLnBrk="1" latinLnBrk="1" hangingPunct="1">
+              <a:lnSpc>
+                <a:spcPct val="90000"/>
+              </a:lnSpc>
+              <a:spcBef>
+                <a:spcPts val="500"/>
+              </a:spcBef>
+              <a:buFont typeface="Arial" panose="020B0604020202020204" pitchFamily="34" charset="0"/>
+              <a:buChar char="•"/>
+              <a:defRPr sz="2400" kern="1200">
+                <a:solidFill>
+                  <a:schemeClr val="tx1"/>
+                </a:solidFill>
+                <a:latin typeface="+mn-lt"/>
+                <a:ea typeface="+mn-ea"/>
+                <a:cs typeface="+mn-cs"/>
+              </a:defRPr>
+            </a:lvl2pPr>
+            <a:lvl3pPr marL="1143000" indent="-228600" algn="l" defTabSz="914400" rtl="0" eaLnBrk="1" latinLnBrk="1" hangingPunct="1">
+              <a:lnSpc>
+                <a:spcPct val="90000"/>
+              </a:lnSpc>
+              <a:spcBef>
+                <a:spcPts val="500"/>
+              </a:spcBef>
+              <a:buFont typeface="Arial" panose="020B0604020202020204" pitchFamily="34" charset="0"/>
+              <a:buChar char="•"/>
+              <a:defRPr sz="2000" kern="1200">
+                <a:solidFill>
+                  <a:schemeClr val="tx1"/>
+                </a:solidFill>
+                <a:latin typeface="+mn-lt"/>
+                <a:ea typeface="+mn-ea"/>
+                <a:cs typeface="+mn-cs"/>
+              </a:defRPr>
+            </a:lvl3pPr>
+            <a:lvl4pPr marL="1600200" indent="-228600" algn="l" defTabSz="914400" rtl="0" eaLnBrk="1" latinLnBrk="1" hangingPunct="1">
+              <a:lnSpc>
+                <a:spcPct val="90000"/>
+              </a:lnSpc>
+              <a:spcBef>
+                <a:spcPts val="500"/>
+              </a:spcBef>
+              <a:buFont typeface="Arial" panose="020B0604020202020204" pitchFamily="34" charset="0"/>
+              <a:buChar char="•"/>
+              <a:defRPr sz="1800" kern="1200">
+                <a:solidFill>
+                  <a:schemeClr val="tx1"/>
+                </a:solidFill>
+                <a:latin typeface="+mn-lt"/>
+                <a:ea typeface="+mn-ea"/>
+                <a:cs typeface="+mn-cs"/>
+              </a:defRPr>
+            </a:lvl4pPr>
+            <a:lvl5pPr marL="2057400" indent="-228600" algn="l" defTabSz="914400" rtl="0" eaLnBrk="1" latinLnBrk="1" hangingPunct="1">
+              <a:lnSpc>
+                <a:spcPct val="90000"/>
+              </a:lnSpc>
+              <a:spcBef>
+                <a:spcPts val="500"/>
+              </a:spcBef>
+              <a:buFont typeface="Arial" panose="020B0604020202020204" pitchFamily="34" charset="0"/>
+              <a:buChar char="•"/>
+              <a:defRPr sz="1800" kern="1200">
+                <a:solidFill>
+                  <a:schemeClr val="tx1"/>
+                </a:solidFill>
+                <a:latin typeface="+mn-lt"/>
+                <a:ea typeface="+mn-ea"/>
+                <a:cs typeface="+mn-cs"/>
+              </a:defRPr>
+            </a:lvl5pPr>
+            <a:lvl6pPr marL="2514600" indent="-228600" algn="l" defTabSz="914400" rtl="0" eaLnBrk="1" latinLnBrk="1" hangingPunct="1">
+              <a:lnSpc>
+                <a:spcPct val="90000"/>
+              </a:lnSpc>
+              <a:spcBef>
+                <a:spcPts val="500"/>
+              </a:spcBef>
+              <a:buFont typeface="Arial" panose="020B0604020202020204" pitchFamily="34" charset="0"/>
+              <a:buChar char="•"/>
+              <a:defRPr sz="1800" kern="1200">
+                <a:solidFill>
+                  <a:schemeClr val="tx1"/>
+                </a:solidFill>
+                <a:latin typeface="+mn-lt"/>
+                <a:ea typeface="+mn-ea"/>
+                <a:cs typeface="+mn-cs"/>
+              </a:defRPr>
+            </a:lvl6pPr>
+            <a:lvl7pPr marL="2971800" indent="-228600" algn="l" defTabSz="914400" rtl="0" eaLnBrk="1" latinLnBrk="1" hangingPunct="1">
+              <a:lnSpc>
+                <a:spcPct val="90000"/>
+              </a:lnSpc>
+              <a:spcBef>
+                <a:spcPts val="500"/>
+              </a:spcBef>
+              <a:buFont typeface="Arial" panose="020B0604020202020204" pitchFamily="34" charset="0"/>
+              <a:buChar char="•"/>
+              <a:defRPr sz="1800" kern="1200">
+                <a:solidFill>
+                  <a:schemeClr val="tx1"/>
+                </a:solidFill>
+                <a:latin typeface="+mn-lt"/>
+                <a:ea typeface="+mn-ea"/>
+                <a:cs typeface="+mn-cs"/>
+              </a:defRPr>
+            </a:lvl7pPr>
+            <a:lvl8pPr marL="3429000" indent="-228600" algn="l" defTabSz="914400" rtl="0" eaLnBrk="1" latinLnBrk="1" hangingPunct="1">
+              <a:lnSpc>
+                <a:spcPct val="90000"/>
+              </a:lnSpc>
+              <a:spcBef>
+                <a:spcPts val="500"/>
+              </a:spcBef>
+              <a:buFont typeface="Arial" panose="020B0604020202020204" pitchFamily="34" charset="0"/>
+              <a:buChar char="•"/>
+              <a:defRPr sz="1800" kern="1200">
+                <a:solidFill>
+                  <a:schemeClr val="tx1"/>
+                </a:solidFill>
+                <a:latin typeface="+mn-lt"/>
+                <a:ea typeface="+mn-ea"/>
+                <a:cs typeface="+mn-cs"/>
+              </a:defRPr>
+            </a:lvl8pPr>
+            <a:lvl9pPr marL="3886200" indent="-228600" algn="l" defTabSz="914400" rtl="0" eaLnBrk="1" latinLnBrk="1" hangingPunct="1">
+              <a:lnSpc>
+                <a:spcPct val="90000"/>
+              </a:lnSpc>
+              <a:spcBef>
+                <a:spcPts val="500"/>
+              </a:spcBef>
+              <a:buFont typeface="Arial" panose="020B0604020202020204" pitchFamily="34" charset="0"/>
+              <a:buChar char="•"/>
+              <a:defRPr sz="1800" kern="1200">
+                <a:solidFill>
+                  <a:schemeClr val="tx1"/>
+                </a:solidFill>
+                <a:latin typeface="+mn-lt"/>
+                <a:ea typeface="+mn-ea"/>
+                <a:cs typeface="+mn-cs"/>
+              </a:defRPr>
+            </a:lvl9pPr>
+          </a:lstStyle>
+          <a:p>
+            <a:pPr marL="0" indent="0">
+              <a:lnSpc>
+                <a:spcPct val="150000"/>
+              </a:lnSpc>
+              <a:buNone/>
+            </a:pPr>
+            <a:r>
+              <a:rPr lang="ko-KR" altLang="en-US" sz="2400" dirty="0" smtClean="0"/>
+              <a:t>실습 </a:t>
+            </a:r>
+            <a:r>
+              <a:rPr lang="en-US" altLang="ko-KR" sz="2400" dirty="0" smtClean="0"/>
+              <a:t>1.</a:t>
+            </a:r>
+            <a:r>
+              <a:rPr lang="en-US" altLang="ko-KR" sz="2400" dirty="0"/>
+              <a:t> </a:t>
+            </a:r>
+            <a:r>
+              <a:rPr lang="en-US" altLang="ko-KR" sz="2400" dirty="0" smtClean="0"/>
+              <a:t>12</a:t>
+            </a:r>
+            <a:r>
+              <a:rPr lang="ko-KR" altLang="en-US" sz="2400" dirty="0" smtClean="0"/>
+              <a:t>강</a:t>
+            </a:r>
+            <a:r>
+              <a:rPr lang="en-US" altLang="ko-KR" sz="2400" dirty="0" smtClean="0"/>
+              <a:t>source.xlsx</a:t>
+            </a:r>
+            <a:r>
+              <a:rPr lang="ko-KR" altLang="en-US" sz="2400" dirty="0" smtClean="0"/>
+              <a:t>의 </a:t>
+            </a:r>
+            <a:r>
+              <a:rPr lang="ko-KR" altLang="en-US" sz="2400" dirty="0" err="1" smtClean="0"/>
+              <a:t>고객구매</a:t>
+            </a:r>
+            <a:r>
+              <a:rPr lang="ko-KR" altLang="en-US" sz="2400" dirty="0" smtClean="0"/>
+              <a:t> 시트의 내용을 제</a:t>
+            </a:r>
+            <a:r>
+              <a:rPr lang="en-US" altLang="ko-KR" sz="2400" dirty="0" smtClean="0"/>
+              <a:t>1</a:t>
+            </a:r>
+            <a:r>
+              <a:rPr lang="ko-KR" altLang="en-US" sz="2400" dirty="0" smtClean="0"/>
+              <a:t>정규화를 적용 하시오</a:t>
+            </a:r>
+            <a:r>
+              <a:rPr lang="en-US" altLang="ko-KR" sz="2400" dirty="0" smtClean="0"/>
+              <a:t>.</a:t>
+            </a:r>
+          </a:p>
+          <a:p>
+            <a:pPr marL="0" indent="0">
+              <a:lnSpc>
+                <a:spcPct val="150000"/>
+              </a:lnSpc>
+              <a:buNone/>
+            </a:pPr>
+            <a:endParaRPr lang="en-US" altLang="ko-KR" sz="2400" dirty="0"/>
+          </a:p>
+          <a:p>
+            <a:pPr marL="0" indent="0">
+              <a:lnSpc>
+                <a:spcPct val="150000"/>
+              </a:lnSpc>
+              <a:buNone/>
+            </a:pPr>
+            <a:r>
+              <a:rPr lang="ko-KR" altLang="en-US" sz="2400" dirty="0" smtClean="0"/>
+              <a:t>실습 </a:t>
+            </a:r>
+            <a:r>
+              <a:rPr lang="en-US" altLang="ko-KR" sz="2400" dirty="0" smtClean="0"/>
+              <a:t>2. ‘</a:t>
+            </a:r>
+            <a:r>
+              <a:rPr lang="ko-KR" altLang="en-US" sz="2400" dirty="0" smtClean="0"/>
+              <a:t>실습</a:t>
+            </a:r>
+            <a:r>
+              <a:rPr lang="en-US" altLang="ko-KR" sz="2400" dirty="0" smtClean="0"/>
+              <a:t>1’</a:t>
+            </a:r>
+            <a:r>
+              <a:rPr lang="ko-KR" altLang="en-US" sz="2400" dirty="0" smtClean="0"/>
+              <a:t>의 결과를 이용하여 제</a:t>
+            </a:r>
+            <a:r>
+              <a:rPr lang="en-US" altLang="ko-KR" sz="2400" dirty="0" smtClean="0"/>
+              <a:t>2</a:t>
+            </a:r>
+            <a:r>
+              <a:rPr lang="ko-KR" altLang="en-US" sz="2400" dirty="0" smtClean="0"/>
+              <a:t>정규화를 적용 하시오</a:t>
+            </a:r>
+            <a:r>
+              <a:rPr lang="en-US" altLang="ko-KR" sz="2400" dirty="0" smtClean="0"/>
+              <a:t>.</a:t>
+            </a:r>
+          </a:p>
+          <a:p>
+            <a:pPr marL="0" indent="0">
+              <a:lnSpc>
+                <a:spcPct val="150000"/>
+              </a:lnSpc>
+              <a:buNone/>
+            </a:pPr>
+            <a:endParaRPr lang="en-US" altLang="ko-KR" sz="2400" dirty="0"/>
+          </a:p>
+          <a:p>
+            <a:pPr marL="0" indent="0">
+              <a:lnSpc>
+                <a:spcPct val="150000"/>
+              </a:lnSpc>
+              <a:buNone/>
+            </a:pPr>
+            <a:r>
+              <a:rPr lang="ko-KR" altLang="en-US" sz="2400" dirty="0" smtClean="0"/>
+              <a:t>실습 </a:t>
+            </a:r>
+            <a:r>
+              <a:rPr lang="en-US" altLang="ko-KR" sz="2400" dirty="0" smtClean="0"/>
+              <a:t>3. </a:t>
+            </a:r>
+            <a:r>
+              <a:rPr lang="ko-KR" altLang="en-US" sz="2400" dirty="0" err="1" smtClean="0"/>
+              <a:t>쇼핑몰이용</a:t>
+            </a:r>
+            <a:r>
+              <a:rPr lang="ko-KR" altLang="en-US" sz="2400" dirty="0" smtClean="0"/>
+              <a:t> 고객</a:t>
+            </a:r>
+            <a:r>
+              <a:rPr lang="en-US" altLang="ko-KR" sz="2400" dirty="0" smtClean="0"/>
+              <a:t>, </a:t>
+            </a:r>
+            <a:r>
+              <a:rPr lang="ko-KR" altLang="en-US" sz="2400" dirty="0" smtClean="0"/>
+              <a:t>구매 테이블을 설계 하시오</a:t>
+            </a:r>
+            <a:r>
+              <a:rPr lang="en-US" altLang="ko-KR" sz="2400" dirty="0" smtClean="0"/>
+              <a:t>(</a:t>
+            </a:r>
+            <a:r>
+              <a:rPr lang="ko-KR" altLang="en-US" sz="2400" dirty="0" smtClean="0"/>
+              <a:t>제</a:t>
+            </a:r>
+            <a:r>
+              <a:rPr lang="en-US" altLang="ko-KR" sz="2400" dirty="0" smtClean="0"/>
+              <a:t>3</a:t>
+            </a:r>
+            <a:r>
+              <a:rPr lang="ko-KR" altLang="en-US" sz="2400" dirty="0" smtClean="0"/>
+              <a:t>정규화 적용</a:t>
+            </a:r>
+            <a:r>
+              <a:rPr lang="en-US" altLang="ko-KR" sz="2400" dirty="0" smtClean="0"/>
+              <a:t>)</a:t>
+            </a:r>
+          </a:p>
+        </p:txBody>
+      </p:sp>
+    </p:spTree>
+    <p:extLst>
+      <p:ext uri="{BB962C8B-B14F-4D97-AF65-F5344CB8AC3E}">
+        <p14:creationId xmlns:p14="http://schemas.microsoft.com/office/powerpoint/2010/main" val="3707281169"/>
+      </p:ext>
+    </p:extLst>
+  </p:cSld>
+  <p:clrMapOvr>
+    <a:masterClrMapping/>
+  </p:clrMapOvr>
 </p:sld>
 </file>
 
